--- a/毕业设计/20151104826-贾鑫-开题报告.pptx
+++ b/毕业设计/20151104826-贾鑫-开题报告.pptx
@@ -217,7 +217,7 @@
           <a:p>
             <a:fld id="{B3E71700-2A4E-4AED-9E00-05FA757A75A3}" type="datetimeFigureOut">
               <a:rPr lang="zh-CN" altLang="en-US" smtClean="0"/>
-              <a:t>2018/10/23</a:t>
+              <a:t>2018/11/1</a:t>
             </a:fld>
             <a:endParaRPr lang="zh-CN" altLang="en-US"/>
           </a:p>
@@ -2472,22 +2472,8 @@
                 <a:cs typeface="+mn-ea"/>
                 <a:sym typeface="+mn-lt"/>
               </a:rPr>
-              <a:t>开题报告</a:t>
-            </a:r>
-            <a:endParaRPr lang="zh-CN" altLang="en-US" sz="5400" b="1" dirty="0">
-              <a:solidFill>
-                <a:schemeClr val="bg1"/>
-              </a:solidFill>
-              <a:effectLst>
-                <a:glow rad="25400">
-                  <a:schemeClr val="bg1">
-                    <a:alpha val="60000"/>
-                  </a:schemeClr>
-                </a:glow>
-              </a:effectLst>
-              <a:cs typeface="+mn-ea"/>
-              <a:sym typeface="+mn-lt"/>
-            </a:endParaRPr>
+              <a:t>自动雨刷开题报告</a:t>
+            </a:r>
           </a:p>
         </p:txBody>
       </p:sp>
@@ -5166,14 +5152,14 @@
               </a:lnSpc>
             </a:pPr>
             <a:r>
-              <a:rPr lang="zh-CN" altLang="en-US" sz="3200" b="1">
+              <a:rPr lang="zh-CN" altLang="en-US" sz="3200" b="1" dirty="0">
                 <a:solidFill>
                   <a:schemeClr val="bg1"/>
                 </a:solidFill>
                 <a:cs typeface="+mn-ea"/>
                 <a:sym typeface="+mn-lt"/>
               </a:rPr>
-              <a:t>选题背景及意义</a:t>
+              <a:t>选题意义</a:t>
             </a:r>
             <a:endParaRPr lang="zh-CN" altLang="en-US" sz="3200" dirty="0">
               <a:solidFill>
@@ -15205,7 +15191,7 @@
         <p:spPr bwMode="auto">
           <a:xfrm>
             <a:off x="4964773" y="5306188"/>
-            <a:ext cx="2307811" cy="585417"/>
+            <a:ext cx="2307811" cy="587084"/>
           </a:xfrm>
           <a:prstGeom prst="rect">
             <a:avLst/>
@@ -15425,7 +15411,31 @@
                 <a:cs typeface="+mn-ea"/>
                 <a:sym typeface="+mn-lt"/>
               </a:rPr>
-              <a:t>根据硬件系统进行软件设计</a:t>
+              <a:t>根据硬件系统进行软件设计，主要使用</a:t>
+            </a:r>
+            <a:r>
+              <a:rPr lang="en-US" altLang="zh-CN" sz="1400" dirty="0">
+                <a:solidFill>
+                  <a:schemeClr val="bg1"/>
+                </a:solidFill>
+                <a:latin typeface="+mn-lt"/>
+                <a:ea typeface="+mn-ea"/>
+                <a:cs typeface="+mn-ea"/>
+                <a:sym typeface="+mn-lt"/>
+              </a:rPr>
+              <a:t>C</a:t>
+            </a:r>
+            <a:r>
+              <a:rPr lang="zh-CN" altLang="en-US" sz="1400" dirty="0">
+                <a:solidFill>
+                  <a:schemeClr val="bg1"/>
+                </a:solidFill>
+                <a:latin typeface="+mn-lt"/>
+                <a:ea typeface="+mn-ea"/>
+                <a:cs typeface="+mn-ea"/>
+                <a:sym typeface="+mn-lt"/>
+              </a:rPr>
+              <a:t>与汇编语言</a:t>
             </a:r>
             <a:endParaRPr lang="en-US" altLang="zh-CN" sz="1400" dirty="0">
               <a:solidFill>
@@ -16591,7 +16601,7 @@
               </a:lnSpc>
             </a:pPr>
             <a:r>
-              <a:rPr lang="en-US" altLang="zh-CN" sz="6000" b="1" dirty="0" smtClean="0">
+              <a:rPr lang="en-US" altLang="zh-CN" sz="6000" b="1" dirty="0">
                 <a:solidFill>
                   <a:schemeClr val="bg1"/>
                 </a:solidFill>
@@ -16643,7 +16653,7 @@
         </p:nvSpPr>
         <p:spPr>
           <a:xfrm>
-            <a:off x="2058916" y="2079171"/>
+            <a:off x="2058916" y="1494971"/>
             <a:ext cx="3900476" cy="323399"/>
           </a:xfrm>
           <a:prstGeom prst="rect">
@@ -16698,7 +16708,7 @@
                 <a:cs typeface="+mn-ea"/>
                 <a:sym typeface="+mn-lt"/>
               </a:rPr>
-              <a:t>问题一</a:t>
+              <a:t>稳定性</a:t>
             </a:r>
             <a:endParaRPr lang="en-US" altLang="zh-CN" sz="1600" dirty="0">
               <a:solidFill>
@@ -16718,7 +16728,7 @@
         </p:nvSpPr>
         <p:spPr>
           <a:xfrm>
-            <a:off x="6250773" y="2079171"/>
+            <a:off x="6250773" y="1494971"/>
             <a:ext cx="3900476" cy="323399"/>
           </a:xfrm>
           <a:prstGeom prst="rect">
@@ -16766,14 +16776,14 @@
               </a:spcAft>
             </a:pPr>
             <a:r>
-              <a:rPr lang="zh-CN" altLang="en-US" sz="1600">
+              <a:rPr lang="zh-CN" altLang="en-US" sz="1600" dirty="0">
                 <a:solidFill>
                   <a:schemeClr val="bg1"/>
                 </a:solidFill>
                 <a:cs typeface="+mn-ea"/>
                 <a:sym typeface="+mn-lt"/>
               </a:rPr>
-              <a:t>问题一</a:t>
+              <a:t>必要性</a:t>
             </a:r>
             <a:endParaRPr lang="en-US" altLang="zh-CN" sz="1600" dirty="0">
               <a:solidFill>
@@ -16787,13 +16797,13 @@
       </p:sp>
       <p:sp>
         <p:nvSpPr>
-          <p:cNvPr id="6" name="Rectangle 30"/>
+          <p:cNvPr id="8" name="Rectangle 38"/>
           <p:cNvSpPr/>
           <p:nvPr/>
         </p:nvSpPr>
         <p:spPr>
           <a:xfrm>
-            <a:off x="2058916" y="4064625"/>
+            <a:off x="4155273" y="3899525"/>
             <a:ext cx="3900476" cy="323399"/>
           </a:xfrm>
           <a:prstGeom prst="rect">
@@ -16841,89 +16851,14 @@
               </a:spcAft>
             </a:pPr>
             <a:r>
-              <a:rPr lang="zh-CN" altLang="en-US" sz="1600">
+              <a:rPr lang="zh-CN" altLang="en-US" sz="1600" dirty="0">
                 <a:solidFill>
                   <a:schemeClr val="bg1"/>
                 </a:solidFill>
                 <a:cs typeface="+mn-ea"/>
                 <a:sym typeface="+mn-lt"/>
               </a:rPr>
-              <a:t>问题一</a:t>
-            </a:r>
-            <a:endParaRPr lang="en-US" altLang="zh-CN" sz="1600" dirty="0">
-              <a:solidFill>
-                <a:schemeClr val="bg1"/>
-              </a:solidFill>
-              <a:cs typeface="+mn-ea"/>
-              <a:sym typeface="+mn-lt"/>
-            </a:endParaRPr>
-          </a:p>
-        </p:txBody>
-      </p:sp>
-      <p:sp>
-        <p:nvSpPr>
-          <p:cNvPr id="8" name="Rectangle 38"/>
-          <p:cNvSpPr/>
-          <p:nvPr/>
-        </p:nvSpPr>
-        <p:spPr>
-          <a:xfrm>
-            <a:off x="6250773" y="4064625"/>
-            <a:ext cx="3900476" cy="323399"/>
-          </a:xfrm>
-          <a:prstGeom prst="rect">
-            <a:avLst/>
-          </a:prstGeom>
-          <a:solidFill>
-            <a:schemeClr val="accent2"/>
-          </a:solidFill>
-          <a:effectLst/>
-        </p:spPr>
-        <p:style>
-          <a:lnRef idx="0">
-            <a:schemeClr val="lt1">
-              <a:hueOff val="0"/>
-              <a:satOff val="0"/>
-              <a:lumOff val="0"/>
-              <a:alphaOff val="0"/>
-            </a:schemeClr>
-          </a:lnRef>
-          <a:fillRef idx="3">
-            <a:scrgbClr r="0" g="0" b="0"/>
-          </a:fillRef>
-          <a:effectRef idx="2">
-            <a:scrgbClr r="0" g="0" b="0"/>
-          </a:effectRef>
-          <a:fontRef idx="minor">
-            <a:schemeClr val="lt1"/>
-          </a:fontRef>
-        </p:style>
-        <p:txBody>
-          <a:bodyPr spcFirstLastPara="0" vert="horz" wrap="square" lIns="96383" tIns="96383" rIns="96383" bIns="96383" numCol="1" spcCol="2539" anchor="ctr" anchorCtr="0">
-            <a:noAutofit/>
-          </a:bodyPr>
-          <a:lstStyle/>
-          <a:p>
-            <a:pPr algn="ctr" defTabSz="1895475">
-              <a:lnSpc>
-                <a:spcPct val="120000"/>
-              </a:lnSpc>
-              <a:spcBef>
-                <a:spcPct val="0"/>
-              </a:spcBef>
-              <a:spcAft>
-                <a:spcPct val="0"/>
-              </a:spcAft>
-            </a:pPr>
-            <a:r>
-              <a:rPr lang="zh-CN" altLang="en-US" sz="1600">
-                <a:solidFill>
-                  <a:schemeClr val="bg1"/>
-                </a:solidFill>
-                <a:cs typeface="+mn-ea"/>
-                <a:sym typeface="+mn-lt"/>
-              </a:rPr>
-              <a:t>问题一</a:t>
+              <a:t>大众性</a:t>
             </a:r>
             <a:endParaRPr lang="en-US" altLang="zh-CN" sz="1600" dirty="0">
               <a:solidFill>
@@ -16943,8 +16878,8 @@
         </p:nvSpPr>
         <p:spPr>
           <a:xfrm>
-            <a:off x="6539474" y="2644340"/>
-            <a:ext cx="3323074" cy="1126462"/>
+            <a:off x="6539474" y="2085540"/>
+            <a:ext cx="3323074" cy="1621213"/>
           </a:xfrm>
           <a:prstGeom prst="rect">
             <a:avLst/>
@@ -16957,7 +16892,7 @@
           </a:bodyPr>
           <a:lstStyle/>
           <a:p>
-            <a:pPr algn="ctr">
+            <a:pPr>
               <a:lnSpc>
                 <a:spcPct val="120000"/>
               </a:lnSpc>
@@ -16970,7 +16905,7 @@
                 <a:cs typeface="+mn-ea"/>
                 <a:sym typeface="+mn-lt"/>
               </a:rPr>
-              <a:t>点击输入简要文字内容，文字内容需概括精炼，不用多余的文字修饰点击输入简要文字内容点击输入简要文字内容点击输入简要文字内容，文字需概括精炼</a:t>
+              <a:t>自动雨刷的存在旨在能够减轻驾驶员的视觉压力，尽最大可能的减少驾驶员的注意力分散，而且通过自动控制雨刷的频率可以为经验不足的驾驶员提供良好的雨天视野，减小新手一边忙于控制雨刷一边操纵驾驶而产生的安全风险。</a:t>
             </a:r>
             <a:endParaRPr lang="id-ID" altLang="zh-CN" sz="1400" dirty="0">
               <a:solidFill>
@@ -16990,8 +16925,8 @@
         </p:nvSpPr>
         <p:spPr>
           <a:xfrm>
-            <a:off x="6539474" y="4629701"/>
-            <a:ext cx="3323074" cy="1126462"/>
+            <a:off x="4456674" y="4439201"/>
+            <a:ext cx="3323074" cy="2138278"/>
           </a:xfrm>
           <a:prstGeom prst="rect">
             <a:avLst/>
@@ -17004,7 +16939,7 @@
           </a:bodyPr>
           <a:lstStyle/>
           <a:p>
-            <a:pPr algn="ctr">
+            <a:pPr>
               <a:lnSpc>
                 <a:spcPct val="120000"/>
               </a:lnSpc>
@@ -17017,54 +16952,7 @@
                 <a:cs typeface="+mn-ea"/>
                 <a:sym typeface="+mn-lt"/>
               </a:rPr>
-              <a:t>点击输入简要文字内容，文字内容需概括精炼，不用多余的文字修饰点击输入简要文字内容点击输入简要文字内容点击输入简要文字内容，文字需概括精炼</a:t>
-            </a:r>
-            <a:endParaRPr lang="id-ID" altLang="zh-CN" sz="1400" dirty="0">
-              <a:solidFill>
-                <a:schemeClr val="bg1"/>
-              </a:solidFill>
-              <a:cs typeface="+mn-ea"/>
-              <a:sym typeface="+mn-lt"/>
-            </a:endParaRPr>
-          </a:p>
-        </p:txBody>
-      </p:sp>
-      <p:sp>
-        <p:nvSpPr>
-          <p:cNvPr id="13" name="TextBox 43"/>
-          <p:cNvSpPr txBox="1"/>
-          <p:nvPr/>
-        </p:nvSpPr>
-        <p:spPr>
-          <a:xfrm>
-            <a:off x="2347619" y="4629701"/>
-            <a:ext cx="3323074" cy="1126462"/>
-          </a:xfrm>
-          <a:prstGeom prst="rect">
-            <a:avLst/>
-          </a:prstGeom>
-          <a:noFill/>
-        </p:spPr>
-        <p:txBody>
-          <a:bodyPr wrap="square" rtlCol="0">
-            <a:spAutoFit/>
-          </a:bodyPr>
-          <a:lstStyle/>
-          <a:p>
-            <a:pPr algn="ctr">
-              <a:lnSpc>
-                <a:spcPct val="120000"/>
-              </a:lnSpc>
-            </a:pPr>
-            <a:r>
-              <a:rPr lang="zh-CN" altLang="en-US" sz="1400" dirty="0">
-                <a:solidFill>
-                  <a:schemeClr val="bg1"/>
-                </a:solidFill>
-                <a:cs typeface="+mn-ea"/>
-                <a:sym typeface="+mn-lt"/>
-              </a:rPr>
-              <a:t>点击输入简要文字内容，文字内容需概括精炼，不用多余的文字修饰点击输入简要文字内容点击输入简要文字内容点击输入简要文字内容，文字需概括精炼</a:t>
+              <a:t>再好的设备装置也要大众接受才能发挥出设备应有的价值。首先最重要的就是价格要能让大众接受。此套装置以单片机为核心，辅以压电传感器以及继电器来控制线性马达。整套装置的成本控制较好，价格处于绝大多数人能够接受的范围，再辅以单片机稳定性强，故障率低的特点，这套装置很适合推向大众。</a:t>
             </a:r>
             <a:endParaRPr lang="id-ID" altLang="zh-CN" sz="1400" dirty="0">
               <a:solidFill>
@@ -17084,8 +16972,8 @@
         </p:nvSpPr>
         <p:spPr>
           <a:xfrm>
-            <a:off x="2347619" y="2644340"/>
-            <a:ext cx="3323074" cy="1126462"/>
+            <a:off x="2347619" y="2034740"/>
+            <a:ext cx="3323074" cy="1621213"/>
           </a:xfrm>
           <a:prstGeom prst="rect">
             <a:avLst/>
@@ -17098,7 +16986,7 @@
           </a:bodyPr>
           <a:lstStyle/>
           <a:p>
-            <a:pPr algn="ctr">
+            <a:pPr>
               <a:lnSpc>
                 <a:spcPct val="120000"/>
               </a:lnSpc>
@@ -17111,7 +16999,7 @@
                 <a:cs typeface="+mn-ea"/>
                 <a:sym typeface="+mn-lt"/>
               </a:rPr>
-              <a:t>点击输入简要文字内容，文字内容需概括精炼，不用多余的文字修饰点击输入简要文字内容点击输入简要文字内容点击输入简要文字内容，文字需概括精炼</a:t>
+              <a:t>作为汽车辅助行驶系统中的一个重要部件，首先自动雨刷的稳定性是非常重要的，要保证在雨天等极潮湿的环境下正常运行。在这一点单片机的稳定性毋庸置疑，而且在恶劣环境下单片机的表现也很出色，可以保证运行稳定。</a:t>
             </a:r>
             <a:endParaRPr lang="id-ID" altLang="zh-CN" sz="1400" dirty="0">
               <a:solidFill>
